--- a/ppts/Day_8_Binding.pptx
+++ b/ppts/Day_8_Binding.pptx
@@ -4346,7 +4346,7 @@
         </p:spPr>
         <p:txBody>
           <a:bodyPr>
-            <a:normAutofit/>
+            <a:normAutofit lnSpcReduction="10000"/>
           </a:bodyPr>
           <a:lstStyle/>
           <a:p>
@@ -4398,7 +4398,7 @@
             <a:pPr lvl="2"/>
             <a:r>
               <a:rPr lang="en-US" altLang="ko-KR" dirty="0"/>
-              <a:t>Public class </a:t>
+              <a:t>public class </a:t>
             </a:r>
             <a:r>
               <a:rPr lang="en-US" altLang="ko-KR" dirty="0" err="1"/>
@@ -4429,7 +4429,7 @@
             </a:r>
           </a:p>
           <a:p>
-            <a:pPr lvl="3"/>
+            <a:pPr lvl="4"/>
             <a:r>
               <a:rPr lang="en-US" altLang="ko-KR" dirty="0"/>
               <a:t>return </a:t>
@@ -4444,6 +4444,13 @@
             </a:r>
           </a:p>
           <a:p>
+            <a:pPr lvl="3"/>
+            <a:r>
+              <a:rPr lang="en-US" altLang="ko-KR" dirty="0"/>
+              <a:t>}</a:t>
+            </a:r>
+          </a:p>
+          <a:p>
             <a:pPr lvl="2"/>
             <a:r>
               <a:rPr lang="en-US" altLang="ko-KR" dirty="0"/>
@@ -4474,7 +4481,7 @@
             <a:pPr lvl="2"/>
             <a:r>
               <a:rPr lang="en-US" altLang="ko-KR" dirty="0" err="1"/>
-              <a:t>onCreated</a:t>
+              <a:t>onCreate</a:t>
             </a:r>
             <a:r>
               <a:rPr lang="en-US" altLang="ko-KR" dirty="0"/>
@@ -4526,7 +4533,7 @@
             <a:pPr lvl="2"/>
             <a:r>
               <a:rPr lang="en-US" altLang="ko-KR" dirty="0" err="1"/>
-              <a:t>Ibinder</a:t>
+              <a:t>IBinder</a:t>
             </a:r>
             <a:r>
               <a:rPr lang="en-US" altLang="ko-KR" dirty="0"/>
@@ -4589,7 +4596,7 @@
             <a:pPr lvl="1"/>
             <a:r>
               <a:rPr lang="en-US" altLang="ko-KR" dirty="0"/>
-              <a:t>Public string </a:t>
+              <a:t>public int </a:t>
             </a:r>
             <a:r>
               <a:rPr lang="en-US" altLang="ko-KR" dirty="0" err="1"/>
@@ -4830,7 +4837,7 @@
             <a:pPr lvl="1"/>
             <a:r>
               <a:rPr lang="en-US" altLang="ko-KR" dirty="0" err="1"/>
-              <a:t>ServerConnection</a:t>
+              <a:t>ServiceConnection</a:t>
             </a:r>
             <a:r>
               <a:rPr lang="ko-KR" altLang="en-US" dirty="0"/>
@@ -5112,7 +5119,7 @@
         </p:spPr>
         <p:txBody>
           <a:bodyPr>
-            <a:normAutofit lnSpcReduction="10000"/>
+            <a:normAutofit/>
           </a:bodyPr>
           <a:lstStyle/>
           <a:p>
@@ -5125,93 +5132,31 @@
             <a:pPr lvl="1"/>
             <a:r>
               <a:rPr lang="en-US" altLang="ko-KR" dirty="0" err="1"/>
-              <a:t>onStartService</a:t>
-            </a:r>
-            <a:r>
-              <a:rPr lang="en-US" altLang="ko-KR" dirty="0"/>
-              <a:t>, </a:t>
+              <a:t>BindService</a:t>
+            </a:r>
+            <a:endParaRPr lang="en-US" altLang="ko-KR" dirty="0"/>
+          </a:p>
+          <a:p>
+            <a:pPr lvl="2"/>
+            <a:r>
+              <a:rPr lang="en-US" altLang="ko-KR" dirty="0"/>
+              <a:t>MainActivity.java – </a:t>
+            </a:r>
+            <a:r>
+              <a:rPr lang="en-US" altLang="ko-KR" b="1" dirty="0" err="1"/>
+              <a:t>startService</a:t>
+            </a:r>
+            <a:r>
+              <a:rPr lang="en-US" altLang="ko-KR" dirty="0"/>
+              <a:t> method</a:t>
+            </a:r>
+            <a:r>
+              <a:rPr lang="ko-KR" altLang="en-US" dirty="0"/>
+              <a:t>에서 </a:t>
             </a:r>
             <a:r>
               <a:rPr lang="en-US" altLang="ko-KR" dirty="0" err="1"/>
-              <a:t>onStartForegroundService</a:t>
-            </a:r>
-            <a:r>
-              <a:rPr lang="en-US" altLang="ko-KR" dirty="0"/>
-              <a:t> method </a:t>
-            </a:r>
-            <a:r>
-              <a:rPr lang="ko-KR" altLang="en-US" dirty="0"/>
-              <a:t>끝부분에 </a:t>
-            </a:r>
-            <a:r>
-              <a:rPr lang="en-US" altLang="ko-KR" dirty="0" err="1"/>
-              <a:t>isService</a:t>
-            </a:r>
-            <a:r>
-              <a:rPr lang="en-US" altLang="ko-KR" dirty="0"/>
-              <a:t> = true;</a:t>
-            </a:r>
-          </a:p>
-          <a:p>
-            <a:pPr lvl="1"/>
-            <a:r>
-              <a:rPr lang="en-US" altLang="ko-KR" dirty="0" err="1"/>
-              <a:t>onStopService</a:t>
-            </a:r>
-            <a:r>
-              <a:rPr lang="en-US" altLang="ko-KR" dirty="0"/>
-              <a:t> method </a:t>
-            </a:r>
-            <a:r>
-              <a:rPr lang="ko-KR" altLang="en-US" dirty="0"/>
-              <a:t>끝부분에 </a:t>
-            </a:r>
-            <a:r>
-              <a:rPr lang="en-US" altLang="ko-KR" dirty="0" err="1"/>
-              <a:t>isService</a:t>
-            </a:r>
-            <a:r>
-              <a:rPr lang="en-US" altLang="ko-KR" dirty="0"/>
-              <a:t> = false; </a:t>
-            </a:r>
-            <a:r>
-              <a:rPr lang="ko-KR" altLang="en-US" dirty="0"/>
-              <a:t>를 추가합니다</a:t>
-            </a:r>
-            <a:endParaRPr lang="en-US" altLang="ko-KR" dirty="0"/>
-          </a:p>
-          <a:p>
-            <a:endParaRPr lang="en-US" altLang="ko-KR" dirty="0"/>
-          </a:p>
-          <a:p>
-            <a:pPr lvl="1"/>
-            <a:r>
-              <a:rPr lang="en-US" altLang="ko-KR" dirty="0" err="1"/>
-              <a:t>BindService</a:t>
-            </a:r>
-            <a:endParaRPr lang="en-US" altLang="ko-KR" dirty="0"/>
-          </a:p>
-          <a:p>
-            <a:pPr lvl="2"/>
-            <a:r>
-              <a:rPr lang="en-US" altLang="ko-KR" dirty="0"/>
-              <a:t>MainActivity.java – </a:t>
-            </a:r>
-            <a:r>
-              <a:rPr lang="en-US" altLang="ko-KR" b="1" dirty="0" err="1"/>
-              <a:t>onBindService</a:t>
-            </a:r>
-            <a:r>
-              <a:rPr lang="en-US" altLang="ko-KR" dirty="0"/>
-              <a:t> method</a:t>
-            </a:r>
-            <a:r>
-              <a:rPr lang="ko-KR" altLang="en-US" dirty="0"/>
-              <a:t>에서 </a:t>
-            </a:r>
-            <a:r>
-              <a:rPr lang="en-US" altLang="ko-KR" dirty="0" err="1"/>
-              <a:t>Service.class</a:t>
+              <a:t>MyService.class</a:t>
             </a:r>
             <a:r>
               <a:rPr lang="ko-KR" altLang="en-US" dirty="0"/>
@@ -5258,8 +5203,16 @@
               <a:t>intent, conn, </a:t>
             </a:r>
             <a:r>
+              <a:rPr lang="en-US" altLang="ko-KR" b="1" err="1"/>
+              <a:t>Context</a:t>
+            </a:r>
+            <a:r>
+              <a:rPr lang="en-US" altLang="ko-KR" b="1"/>
+              <a:t>.BIND_</a:t>
+            </a:r>
+            <a:r>
               <a:rPr lang="en-US" altLang="ko-KR" b="1" dirty="0" err="1"/>
-              <a:t>Context.Bind_AUTO_CREATE</a:t>
+              <a:t>AUTO_CREATE</a:t>
             </a:r>
             <a:r>
               <a:rPr lang="en-US" altLang="ko-KR" dirty="0"/>
@@ -5271,7 +5224,7 @@
             </a:r>
             <a:r>
               <a:rPr lang="en-US" altLang="ko-KR" dirty="0"/>
-              <a:t>Service.java</a:t>
+              <a:t>MyService.java</a:t>
             </a:r>
             <a:r>
               <a:rPr lang="ko-KR" altLang="en-US" dirty="0"/>
@@ -5322,6 +5275,14 @@
               <a:t>UnbindService</a:t>
             </a:r>
             <a:endParaRPr lang="en-US" altLang="ko-KR" dirty="0"/>
+          </a:p>
+          <a:p>
+            <a:pPr lvl="2"/>
+            <a:r>
+              <a:rPr lang="en-US" altLang="ko-KR" b="1" dirty="0" err="1"/>
+              <a:t>stopService</a:t>
+            </a:r>
+            <a:endParaRPr lang="en-US" altLang="ko-KR" b="1" dirty="0"/>
           </a:p>
           <a:p>
             <a:pPr lvl="2"/>
